--- a/7.List_Of_Political_Parties_Participated_2024/List of political parties participated.pptx
+++ b/7.List_Of_Political_Parties_Participated_2024/List of political parties participated.pptx
@@ -3978,7 +3978,7 @@
         </p:nvSpPr>
         <p:spPr>
           <a:xfrm>
-            <a:off x="6459794" y="6475497"/>
+            <a:off x="6279912" y="6453402"/>
             <a:ext cx="3785419" cy="369332"/>
           </a:xfrm>
           <a:prstGeom prst="rect">
@@ -3993,22 +3993,10 @@
           <a:lstStyle/>
           <a:p>
             <a:r>
-              <a:rPr lang="en-US" dirty="0">
+              <a:rPr lang="en-US">
                 <a:latin typeface="Androgyne" panose="05080000000003050000" pitchFamily="82" charset="0"/>
               </a:rPr>
-              <a:t>M</a:t>
-            </a:r>
-            <a:r>
-              <a:rPr lang="en-IN" dirty="0" err="1">
-                <a:latin typeface="Androgyne" panose="05080000000003050000" pitchFamily="82" charset="0"/>
-              </a:rPr>
-              <a:t>undrika</a:t>
-            </a:r>
-            <a:r>
-              <a:rPr lang="en-IN">
-                <a:latin typeface="Androgyne" panose="05080000000003050000" pitchFamily="82" charset="0"/>
-              </a:rPr>
-              <a:t> Tejasri</a:t>
+              <a:t>N.LAKSHMI SWETHA</a:t>
             </a:r>
             <a:endParaRPr lang="en-IN" dirty="0">
               <a:latin typeface="Androgyne" panose="05080000000003050000" pitchFamily="82" charset="0"/>
